--- a/ppt/06-SpringJPAH2.pptx
+++ b/ppt/06-SpringJPAH2.pptx
@@ -539,7 +539,7 @@
         <p:nvSpPr>
           <p:cNvPr id="2052" name="Rectangle 4"/>
           <p:cNvSpPr>
-            <a:spLocks noChangeArrowheads="1" noTextEdit="1"/>
+            <a:spLocks noGrp="1" noRot="1" noChangeAspect="1" noChangeArrowheads="1" noTextEdit="1"/>
           </p:cNvSpPr>
           <p:nvPr>
             <p:ph type="sldImg" idx="2"/>
@@ -1005,7 +1005,7 @@
         <p:nvSpPr>
           <p:cNvPr id="8194" name="Rectangle 2"/>
           <p:cNvSpPr>
-            <a:spLocks noChangeArrowheads="1" noTextEdit="1"/>
+            <a:spLocks noGrp="1" noRot="1" noChangeAspect="1" noChangeArrowheads="1" noTextEdit="1"/>
           </p:cNvSpPr>
           <p:nvPr>
             <p:ph type="sldImg"/>
@@ -1107,7 +1107,7 @@
         <p:nvSpPr>
           <p:cNvPr id="10242" name="Rectangle 2"/>
           <p:cNvSpPr>
-            <a:spLocks noChangeArrowheads="1" noTextEdit="1"/>
+            <a:spLocks noGrp="1" noRot="1" noChangeAspect="1" noChangeArrowheads="1" noTextEdit="1"/>
           </p:cNvSpPr>
           <p:nvPr>
             <p:ph type="sldImg"/>
@@ -3961,14 +3961,14 @@
       </p:sp>
       <p:pic>
         <p:nvPicPr>
-          <p:cNvPr id="4099" name="Picture 5" descr="Logo"/>
+          <p:cNvPr id="4" name="Picture 2" descr="https://miro.medium.com/max/3798/1*gycg7f5bYLuR4ut_JAEs7A.png"/>
           <p:cNvPicPr>
             <a:picLocks noChangeAspect="1" noChangeArrowheads="1"/>
           </p:cNvPicPr>
           <p:nvPr/>
         </p:nvPicPr>
         <p:blipFill>
-          <a:blip r:embed="rId2">
+          <a:blip r:embed="rId2" cstate="print">
             <a:extLst>
               <a:ext uri="{28A0092B-C50C-407E-A947-70E740481C1C}">
                 <a14:useLocalDpi xmlns:a14="http://schemas.microsoft.com/office/drawing/2010/main" val="0"/>
@@ -3982,16 +3982,13 @@
         </p:blipFill>
         <p:spPr bwMode="auto">
           <a:xfrm>
-            <a:off x="3132138" y="2081213"/>
-            <a:ext cx="2559050" cy="720725"/>
+            <a:off x="2195736" y="836712"/>
+            <a:ext cx="4612173" cy="1981200"/>
           </a:xfrm>
           <a:prstGeom prst="rect">
             <a:avLst/>
           </a:prstGeom>
           <a:noFill/>
-          <a:ln>
-            <a:noFill/>
-          </a:ln>
           <a:extLst>
             <a:ext uri="{909E8E84-426E-40DD-AFC4-6F175D3DCCD1}">
               <a14:hiddenFill xmlns:a14="http://schemas.microsoft.com/office/drawing/2010/main">
@@ -3999,16 +3996,6 @@
                   <a:srgbClr val="FFFFFF"/>
                 </a:solidFill>
               </a14:hiddenFill>
-            </a:ext>
-            <a:ext uri="{91240B29-F687-4F45-9708-019B960494DF}">
-              <a14:hiddenLine xmlns:a14="http://schemas.microsoft.com/office/drawing/2010/main" w="9525">
-                <a:solidFill>
-                  <a:srgbClr val="000000"/>
-                </a:solidFill>
-                <a:miter lim="800000"/>
-                <a:headEnd/>
-                <a:tailEnd/>
-              </a14:hiddenLine>
             </a:ext>
           </a:extLst>
         </p:spPr>
